--- a/lecture/function/function_v1.pptx
+++ b/lecture/function/function_v1.pptx
@@ -223,7 +223,7 @@
           <a:p>
             <a:fld id="{085428F3-B408-4C73-B6CB-14C24F24D2AD}" type="datetimeFigureOut">
               <a:rPr lang="en-US" smtClean="0"/>
-              <a:t>4/15/2019</a:t>
+              <a:t>4/22/2019</a:t>
             </a:fld>
             <a:endParaRPr lang="en-US"/>
           </a:p>
@@ -2860,7 +2860,7 @@
           <a:p>
             <a:fld id="{EA5CD5D7-1376-454F-9D0D-56EF872F8D99}" type="datetimeFigureOut">
               <a:rPr lang="en-US" smtClean="0"/>
-              <a:t>4/15/2019</a:t>
+              <a:t>4/22/2019</a:t>
             </a:fld>
             <a:endParaRPr lang="en-US"/>
           </a:p>
@@ -4976,7 +4976,7 @@
           <a:p>
             <a:r>
               <a:rPr lang="en-US" dirty="0" smtClean="0"/>
-              <a:t>Function I &amp; II</a:t>
+              <a:t>Function</a:t>
             </a:r>
             <a:endParaRPr lang="en-US" dirty="0"/>
           </a:p>
@@ -5643,14 +5643,14 @@
           <a:effectLst/>
           <a:extLst>
             <a:ext uri="{909E8E84-426E-40dd-AFC4-6F175D3DCCD1}">
-              <a14:hiddenFill xmlns:a14="http://schemas.microsoft.com/office/drawing/2010/main" xmlns="">
+              <a14:hiddenFill xmlns="" xmlns:a14="http://schemas.microsoft.com/office/drawing/2010/main">
                 <a:solidFill>
                   <a:schemeClr val="accent1"/>
                 </a:solidFill>
               </a14:hiddenFill>
             </a:ext>
             <a:ext uri="{AF507438-7753-43e0-B8FC-AC1667EBCBE1}">
-              <a14:hiddenEffects xmlns:a14="http://schemas.microsoft.com/office/drawing/2010/main" xmlns="">
+              <a14:hiddenEffects xmlns="" xmlns:a14="http://schemas.microsoft.com/office/drawing/2010/main">
                 <a:effectLst>
                   <a:outerShdw blurRad="63500" dist="38099" dir="2700000" algn="ctr" rotWithShape="0">
                     <a:schemeClr val="bg2">
@@ -5744,14 +5744,14 @@
           <a:effectLst/>
           <a:extLst>
             <a:ext uri="{909E8E84-426E-40dd-AFC4-6F175D3DCCD1}">
-              <a14:hiddenFill xmlns:a14="http://schemas.microsoft.com/office/drawing/2010/main" xmlns="">
+              <a14:hiddenFill xmlns="" xmlns:a14="http://schemas.microsoft.com/office/drawing/2010/main">
                 <a:solidFill>
                   <a:schemeClr val="accent1"/>
                 </a:solidFill>
               </a14:hiddenFill>
             </a:ext>
             <a:ext uri="{91240B29-F687-4f45-9708-019B960494DF}">
-              <a14:hiddenLine xmlns:a14="http://schemas.microsoft.com/office/drawing/2010/main" xmlns="" w="9525">
+              <a14:hiddenLine xmlns="" xmlns:a14="http://schemas.microsoft.com/office/drawing/2010/main" w="9525">
                 <a:solidFill>
                   <a:schemeClr val="tx1"/>
                 </a:solidFill>
@@ -5761,7 +5761,7 @@
               </a14:hiddenLine>
             </a:ext>
             <a:ext uri="{AF507438-7753-43e0-B8FC-AC1667EBCBE1}">
-              <a14:hiddenEffects xmlns:a14="http://schemas.microsoft.com/office/drawing/2010/main" xmlns="">
+              <a14:hiddenEffects xmlns="" xmlns:a14="http://schemas.microsoft.com/office/drawing/2010/main">
                 <a:effectLst>
                   <a:outerShdw blurRad="63500" dist="38099" dir="2700000" algn="ctr" rotWithShape="0">
                     <a:schemeClr val="bg2">
@@ -6014,13 +6014,13 @@
           </a:lstStyle>
           <a:p>
             <a:r>
-              <a:rPr lang="en-US" altLang="en-US" dirty="0"/>
+              <a:rPr lang="en-US" altLang="en-US" sz="2500" dirty="0"/>
               <a:t>Since no value is returned, the call to such a function is a statement </a:t>
             </a:r>
           </a:p>
           <a:p>
             <a:r>
-              <a:rPr lang="en-US" altLang="en-US" dirty="0"/>
+              <a:rPr lang="en-US" altLang="en-US" sz="2500" dirty="0"/>
               <a:t>For example, if this is the function header:</a:t>
             </a:r>
           </a:p>
@@ -6030,29 +6030,29 @@
               <a:buNone/>
             </a:pPr>
             <a:r>
-              <a:rPr lang="en-US" altLang="en-US" dirty="0"/>
+              <a:rPr lang="en-US" altLang="en-US" sz="2500" dirty="0"/>
               <a:t>function </a:t>
             </a:r>
             <a:r>
-              <a:rPr lang="en-US" altLang="en-US" dirty="0" err="1"/>
+              <a:rPr lang="en-US" altLang="en-US" sz="2500" dirty="0" err="1"/>
               <a:t>fnname</a:t>
             </a:r>
             <a:r>
-              <a:rPr lang="en-US" altLang="en-US" dirty="0"/>
+              <a:rPr lang="en-US" altLang="en-US" sz="2500" dirty="0"/>
               <a:t>(</a:t>
             </a:r>
             <a:r>
-              <a:rPr lang="en-US" altLang="en-US" dirty="0" err="1"/>
+              <a:rPr lang="en-US" altLang="en-US" sz="2500" dirty="0" err="1"/>
               <a:t>x,y</a:t>
             </a:r>
             <a:r>
-              <a:rPr lang="en-US" altLang="en-US" dirty="0"/>
+              <a:rPr lang="en-US" altLang="en-US" sz="2500" dirty="0"/>
               <a:t>)</a:t>
             </a:r>
           </a:p>
           <a:p>
             <a:r>
-              <a:rPr lang="en-US" altLang="en-US" dirty="0"/>
+              <a:rPr lang="en-US" altLang="en-US" sz="2500" dirty="0"/>
               <a:t>A call to the function might look like this:</a:t>
             </a:r>
           </a:p>
@@ -6062,25 +6062,25 @@
               <a:buNone/>
             </a:pPr>
             <a:r>
-              <a:rPr lang="en-US" altLang="en-US" dirty="0" err="1"/>
+              <a:rPr lang="en-US" altLang="en-US" sz="2500" dirty="0" err="1"/>
               <a:t>fnname</a:t>
             </a:r>
             <a:r>
-              <a:rPr lang="en-US" altLang="en-US" dirty="0"/>
+              <a:rPr lang="en-US" altLang="en-US" sz="2500" dirty="0"/>
               <a:t>(</a:t>
             </a:r>
             <a:r>
-              <a:rPr lang="en-US" altLang="en-US" dirty="0" err="1"/>
+              <a:rPr lang="en-US" altLang="en-US" sz="2500" dirty="0" err="1"/>
               <a:t>x,y</a:t>
             </a:r>
             <a:r>
-              <a:rPr lang="en-US" altLang="en-US" dirty="0"/>
+              <a:rPr lang="en-US" altLang="en-US" sz="2500" dirty="0"/>
               <a:t>)</a:t>
             </a:r>
           </a:p>
           <a:p>
             <a:r>
-              <a:rPr lang="en-US" altLang="en-US" dirty="0"/>
+              <a:rPr lang="en-US" altLang="en-US" sz="2500" dirty="0"/>
               <a:t>The following would NOT be a valid call; since the function is not returning anything, there is no value to assign:</a:t>
             </a:r>
           </a:p>
@@ -6090,28 +6090,28 @@
               <a:buNone/>
             </a:pPr>
             <a:r>
-              <a:rPr lang="en-US" altLang="en-US" dirty="0"/>
+              <a:rPr lang="en-US" altLang="en-US" sz="2500" dirty="0"/>
               <a:t>result = </a:t>
             </a:r>
             <a:r>
-              <a:rPr lang="en-US" altLang="en-US" dirty="0" err="1"/>
+              <a:rPr lang="en-US" altLang="en-US" sz="2500" dirty="0" err="1"/>
               <a:t>fnname</a:t>
             </a:r>
             <a:r>
-              <a:rPr lang="en-US" altLang="en-US" dirty="0"/>
+              <a:rPr lang="en-US" altLang="en-US" sz="2500" dirty="0"/>
               <a:t>(</a:t>
             </a:r>
             <a:r>
-              <a:rPr lang="en-US" altLang="en-US" dirty="0" err="1"/>
+              <a:rPr lang="en-US" altLang="en-US" sz="2500" dirty="0" err="1"/>
               <a:t>x,y</a:t>
             </a:r>
             <a:r>
-              <a:rPr lang="en-US" altLang="en-US" dirty="0"/>
+              <a:rPr lang="en-US" altLang="en-US" sz="2500" dirty="0"/>
               <a:t>);  % Invalid!</a:t>
             </a:r>
           </a:p>
           <a:p>
-            <a:endParaRPr lang="en-US" altLang="en-US" dirty="0"/>
+            <a:endParaRPr lang="en-US" altLang="en-US" sz="2500" dirty="0"/>
           </a:p>
         </p:txBody>
       </p:sp>
@@ -6602,7 +6602,6 @@
               <a:rPr lang="en-US" altLang="en-US" smtClean="0"/>
               <a:t>end</a:t>
             </a:r>
-            <a:endParaRPr lang="en-US" altLang="en-US" smtClean="0"/>
           </a:p>
         </p:txBody>
       </p:sp>
@@ -6629,14 +6628,14 @@
           <a:effectLst/>
           <a:extLst>
             <a:ext uri="{909E8E84-426E-40dd-AFC4-6F175D3DCCD1}">
-              <a14:hiddenFill xmlns:a14="http://schemas.microsoft.com/office/drawing/2010/main" xmlns="">
+              <a14:hiddenFill xmlns="" xmlns:a14="http://schemas.microsoft.com/office/drawing/2010/main">
                 <a:solidFill>
                   <a:schemeClr val="accent1"/>
                 </a:solidFill>
               </a14:hiddenFill>
             </a:ext>
             <a:ext uri="{91240B29-F687-4f45-9708-019B960494DF}">
-              <a14:hiddenLine xmlns:a14="http://schemas.microsoft.com/office/drawing/2010/main" xmlns="" w="9525">
+              <a14:hiddenLine xmlns="" xmlns:a14="http://schemas.microsoft.com/office/drawing/2010/main" w="9525">
                 <a:solidFill>
                   <a:schemeClr val="tx1"/>
                 </a:solidFill>
@@ -6646,7 +6645,7 @@
               </a14:hiddenLine>
             </a:ext>
             <a:ext uri="{AF507438-7753-43e0-B8FC-AC1667EBCBE1}">
-              <a14:hiddenEffects xmlns:a14="http://schemas.microsoft.com/office/drawing/2010/main" xmlns="">
+              <a14:hiddenEffects xmlns="" xmlns:a14="http://schemas.microsoft.com/office/drawing/2010/main">
                 <a:effectLst>
                   <a:outerShdw blurRad="63500" dist="38099" dir="2700000" algn="ctr" rotWithShape="0">
                     <a:schemeClr val="bg2">
@@ -6704,14 +6703,14 @@
           <a:effectLst/>
           <a:extLst>
             <a:ext uri="{909E8E84-426E-40dd-AFC4-6F175D3DCCD1}">
-              <a14:hiddenFill xmlns:a14="http://schemas.microsoft.com/office/drawing/2010/main" xmlns="">
+              <a14:hiddenFill xmlns="" xmlns:a14="http://schemas.microsoft.com/office/drawing/2010/main">
                 <a:solidFill>
                   <a:schemeClr val="accent1"/>
                 </a:solidFill>
               </a14:hiddenFill>
             </a:ext>
             <a:ext uri="{91240B29-F687-4f45-9708-019B960494DF}">
-              <a14:hiddenLine xmlns:a14="http://schemas.microsoft.com/office/drawing/2010/main" xmlns="" w="9525">
+              <a14:hiddenLine xmlns="" xmlns:a14="http://schemas.microsoft.com/office/drawing/2010/main" w="9525">
                 <a:solidFill>
                   <a:schemeClr val="tx1"/>
                 </a:solidFill>
@@ -6721,7 +6720,7 @@
               </a14:hiddenLine>
             </a:ext>
             <a:ext uri="{AF507438-7753-43e0-B8FC-AC1667EBCBE1}">
-              <a14:hiddenEffects xmlns:a14="http://schemas.microsoft.com/office/drawing/2010/main" xmlns="">
+              <a14:hiddenEffects xmlns="" xmlns:a14="http://schemas.microsoft.com/office/drawing/2010/main">
                 <a:effectLst>
                   <a:outerShdw blurRad="63500" dist="38099" dir="2700000" algn="ctr" rotWithShape="0">
                     <a:schemeClr val="bg2">
@@ -7280,14 +7279,14 @@
           <a:effectLst/>
           <a:extLst>
             <a:ext uri="{909E8E84-426E-40dd-AFC4-6F175D3DCCD1}">
-              <a14:hiddenFill xmlns:a14="http://schemas.microsoft.com/office/drawing/2010/main" xmlns="">
+              <a14:hiddenFill xmlns="" xmlns:a14="http://schemas.microsoft.com/office/drawing/2010/main">
                 <a:solidFill>
                   <a:schemeClr val="accent1"/>
                 </a:solidFill>
               </a14:hiddenFill>
             </a:ext>
             <a:ext uri="{91240B29-F687-4f45-9708-019B960494DF}">
-              <a14:hiddenLine xmlns:a14="http://schemas.microsoft.com/office/drawing/2010/main" xmlns="" w="9525">
+              <a14:hiddenLine xmlns="" xmlns:a14="http://schemas.microsoft.com/office/drawing/2010/main" w="9525">
                 <a:solidFill>
                   <a:schemeClr val="tx1"/>
                 </a:solidFill>
@@ -7297,7 +7296,7 @@
               </a14:hiddenLine>
             </a:ext>
             <a:ext uri="{AF507438-7753-43e0-B8FC-AC1667EBCBE1}">
-              <a14:hiddenEffects xmlns:a14="http://schemas.microsoft.com/office/drawing/2010/main" xmlns="">
+              <a14:hiddenEffects xmlns="" xmlns:a14="http://schemas.microsoft.com/office/drawing/2010/main">
                 <a:effectLst>
                   <a:outerShdw blurRad="63500" dist="38099" dir="2700000" algn="ctr" rotWithShape="0">
                     <a:schemeClr val="bg2">
@@ -7352,14 +7351,14 @@
           <a:effectLst/>
           <a:extLst>
             <a:ext uri="{909E8E84-426E-40dd-AFC4-6F175D3DCCD1}">
-              <a14:hiddenFill xmlns:a14="http://schemas.microsoft.com/office/drawing/2010/main" xmlns="">
+              <a14:hiddenFill xmlns="" xmlns:a14="http://schemas.microsoft.com/office/drawing/2010/main">
                 <a:solidFill>
                   <a:schemeClr val="accent1"/>
                 </a:solidFill>
               </a14:hiddenFill>
             </a:ext>
             <a:ext uri="{91240B29-F687-4f45-9708-019B960494DF}">
-              <a14:hiddenLine xmlns:a14="http://schemas.microsoft.com/office/drawing/2010/main" xmlns="" w="9525">
+              <a14:hiddenLine xmlns="" xmlns:a14="http://schemas.microsoft.com/office/drawing/2010/main" w="9525">
                 <a:solidFill>
                   <a:schemeClr val="tx1"/>
                 </a:solidFill>
@@ -7369,7 +7368,7 @@
               </a14:hiddenLine>
             </a:ext>
             <a:ext uri="{AF507438-7753-43e0-B8FC-AC1667EBCBE1}">
-              <a14:hiddenEffects xmlns:a14="http://schemas.microsoft.com/office/drawing/2010/main" xmlns="">
+              <a14:hiddenEffects xmlns="" xmlns:a14="http://schemas.microsoft.com/office/drawing/2010/main">
                 <a:effectLst>
                   <a:outerShdw blurRad="63500" dist="38099" dir="2700000" algn="ctr" rotWithShape="0">
                     <a:schemeClr val="bg2">
@@ -7638,52 +7637,52 @@
           </a:lstStyle>
           <a:p>
             <a:r>
-              <a:rPr lang="en-US" altLang="en-US" sz="2200" dirty="0"/>
+              <a:rPr lang="en-US" altLang="en-US" sz="2500" dirty="0"/>
               <a:t>You do not always have to pass input arguments to a function.  If you do not, you can have (both in the function header and in the function call) empty (), or you can just leave them out</a:t>
             </a:r>
           </a:p>
           <a:p>
             <a:r>
-              <a:rPr lang="en-US" altLang="en-US" sz="2200" dirty="0"/>
+              <a:rPr lang="en-US" altLang="en-US" sz="2500" dirty="0"/>
               <a:t>The function header and function call have to match up:</a:t>
             </a:r>
           </a:p>
           <a:p>
             <a:pPr lvl="1"/>
             <a:r>
-              <a:rPr lang="en-US" altLang="en-US" sz="2000" dirty="0"/>
+              <a:rPr lang="en-US" altLang="en-US" sz="2500" dirty="0"/>
               <a:t>the name has to be the same</a:t>
             </a:r>
           </a:p>
           <a:p>
             <a:pPr lvl="1"/>
             <a:r>
-              <a:rPr lang="en-US" altLang="en-US" sz="2000" dirty="0"/>
+              <a:rPr lang="en-US" altLang="en-US" sz="2500" dirty="0"/>
               <a:t>the number of input arguments must be the same</a:t>
             </a:r>
           </a:p>
           <a:p>
             <a:pPr lvl="1"/>
             <a:r>
-              <a:rPr lang="en-US" altLang="en-US" sz="2000" dirty="0"/>
+              <a:rPr lang="en-US" altLang="en-US" sz="2500" dirty="0"/>
               <a:t>the number of variables in the left-hand side of the assignment should be the same as the number of output arguments</a:t>
             </a:r>
           </a:p>
           <a:p>
             <a:pPr lvl="1"/>
             <a:r>
-              <a:rPr lang="en-US" altLang="en-US" sz="2000" dirty="0"/>
+              <a:rPr lang="en-US" altLang="en-US" sz="2500" dirty="0"/>
               <a:t>if there are no output arguments, the function call is a statement</a:t>
             </a:r>
           </a:p>
           <a:p>
             <a:r>
-              <a:rPr lang="en-US" altLang="en-US" sz="2200" dirty="0"/>
+              <a:rPr lang="en-US" altLang="en-US" sz="2500" dirty="0"/>
               <a:t>Functions that return values do not normally print them, also – that is left to the calling function/script</a:t>
             </a:r>
           </a:p>
           <a:p>
-            <a:endParaRPr lang="en-US" altLang="en-US" sz="2200" dirty="0"/>
+            <a:endParaRPr lang="en-US" altLang="en-US" sz="2500" dirty="0"/>
           </a:p>
         </p:txBody>
       </p:sp>
@@ -7749,167 +7748,6 @@
       </p:sp>
       <p:sp>
         <p:nvSpPr>
-          <p:cNvPr id="3" name="Rectangle 3"/>
-          <p:cNvSpPr txBox="1">
-            <a:spLocks/>
-          </p:cNvSpPr>
-          <p:nvPr/>
-        </p:nvSpPr>
-        <p:spPr>
-          <a:xfrm>
-            <a:off x="457200" y="1192213"/>
-            <a:ext cx="11080750" cy="4389437"/>
-          </a:xfrm>
-          <a:prstGeom prst="rect">
-            <a:avLst/>
-          </a:prstGeom>
-        </p:spPr>
-        <p:txBody>
-          <a:bodyPr/>
-          <a:lstStyle>
-            <a:lvl1pPr marL="342891" indent="-342891" algn="l" defTabSz="914377" rtl="0" eaLnBrk="1" latinLnBrk="0" hangingPunct="1">
-              <a:spcBef>
-                <a:spcPct val="20000"/>
-              </a:spcBef>
-              <a:buFont typeface="Arial" pitchFamily="34" charset="0"/>
-              <a:buChar char="•"/>
-              <a:defRPr sz="3200" kern="1200">
-                <a:solidFill>
-                  <a:schemeClr val="tx1"/>
-                </a:solidFill>
-                <a:latin typeface="+mn-lt"/>
-                <a:ea typeface="+mn-ea"/>
-                <a:cs typeface="+mn-cs"/>
-              </a:defRPr>
-            </a:lvl1pPr>
-            <a:lvl2pPr marL="742932" indent="-285744" algn="l" defTabSz="914377" rtl="0" eaLnBrk="1" latinLnBrk="0" hangingPunct="1">
-              <a:spcBef>
-                <a:spcPct val="20000"/>
-              </a:spcBef>
-              <a:buFont typeface="Arial" pitchFamily="34" charset="0"/>
-              <a:buChar char="–"/>
-              <a:defRPr sz="2800" kern="1200">
-                <a:solidFill>
-                  <a:schemeClr val="tx1"/>
-                </a:solidFill>
-                <a:latin typeface="+mn-lt"/>
-                <a:ea typeface="+mn-ea"/>
-                <a:cs typeface="+mn-cs"/>
-              </a:defRPr>
-            </a:lvl2pPr>
-            <a:lvl3pPr marL="1142971" indent="-228594" algn="l" defTabSz="914377" rtl="0" eaLnBrk="1" latinLnBrk="0" hangingPunct="1">
-              <a:spcBef>
-                <a:spcPct val="20000"/>
-              </a:spcBef>
-              <a:buFont typeface="Arial" pitchFamily="34" charset="0"/>
-              <a:buChar char="•"/>
-              <a:defRPr sz="2400" kern="1200">
-                <a:solidFill>
-                  <a:schemeClr val="tx1"/>
-                </a:solidFill>
-                <a:latin typeface="+mn-lt"/>
-                <a:ea typeface="+mn-ea"/>
-                <a:cs typeface="+mn-cs"/>
-              </a:defRPr>
-            </a:lvl3pPr>
-            <a:lvl4pPr marL="1600160" indent="-228594" algn="l" defTabSz="914377" rtl="0" eaLnBrk="1" latinLnBrk="0" hangingPunct="1">
-              <a:spcBef>
-                <a:spcPct val="20000"/>
-              </a:spcBef>
-              <a:buFont typeface="Arial" pitchFamily="34" charset="0"/>
-              <a:buChar char="–"/>
-              <a:defRPr sz="2000" kern="1200">
-                <a:solidFill>
-                  <a:schemeClr val="tx1"/>
-                </a:solidFill>
-                <a:latin typeface="+mn-lt"/>
-                <a:ea typeface="+mn-ea"/>
-                <a:cs typeface="+mn-cs"/>
-              </a:defRPr>
-            </a:lvl4pPr>
-            <a:lvl5pPr marL="2057349" indent="-228594" algn="l" defTabSz="914377" rtl="0" eaLnBrk="1" latinLnBrk="0" hangingPunct="1">
-              <a:spcBef>
-                <a:spcPct val="20000"/>
-              </a:spcBef>
-              <a:buFont typeface="Arial" pitchFamily="34" charset="0"/>
-              <a:buChar char="»"/>
-              <a:defRPr sz="2000" kern="1200">
-                <a:solidFill>
-                  <a:schemeClr val="tx1"/>
-                </a:solidFill>
-                <a:latin typeface="+mn-lt"/>
-                <a:ea typeface="+mn-ea"/>
-                <a:cs typeface="+mn-cs"/>
-              </a:defRPr>
-            </a:lvl5pPr>
-            <a:lvl6pPr marL="2514537" indent="-228594" algn="l" defTabSz="914377" rtl="0" eaLnBrk="1" latinLnBrk="0" hangingPunct="1">
-              <a:spcBef>
-                <a:spcPct val="20000"/>
-              </a:spcBef>
-              <a:buFont typeface="Arial" pitchFamily="34" charset="0"/>
-              <a:buChar char="•"/>
-              <a:defRPr sz="2000" kern="1200">
-                <a:solidFill>
-                  <a:schemeClr val="tx1"/>
-                </a:solidFill>
-                <a:latin typeface="+mn-lt"/>
-                <a:ea typeface="+mn-ea"/>
-                <a:cs typeface="+mn-cs"/>
-              </a:defRPr>
-            </a:lvl6pPr>
-            <a:lvl7pPr marL="2971726" indent="-228594" algn="l" defTabSz="914377" rtl="0" eaLnBrk="1" latinLnBrk="0" hangingPunct="1">
-              <a:spcBef>
-                <a:spcPct val="20000"/>
-              </a:spcBef>
-              <a:buFont typeface="Arial" pitchFamily="34" charset="0"/>
-              <a:buChar char="•"/>
-              <a:defRPr sz="2000" kern="1200">
-                <a:solidFill>
-                  <a:schemeClr val="tx1"/>
-                </a:solidFill>
-                <a:latin typeface="+mn-lt"/>
-                <a:ea typeface="+mn-ea"/>
-                <a:cs typeface="+mn-cs"/>
-              </a:defRPr>
-            </a:lvl7pPr>
-            <a:lvl8pPr marL="3428914" indent="-228594" algn="l" defTabSz="914377" rtl="0" eaLnBrk="1" latinLnBrk="0" hangingPunct="1">
-              <a:spcBef>
-                <a:spcPct val="20000"/>
-              </a:spcBef>
-              <a:buFont typeface="Arial" pitchFamily="34" charset="0"/>
-              <a:buChar char="•"/>
-              <a:defRPr sz="2000" kern="1200">
-                <a:solidFill>
-                  <a:schemeClr val="tx1"/>
-                </a:solidFill>
-                <a:latin typeface="+mn-lt"/>
-                <a:ea typeface="+mn-ea"/>
-                <a:cs typeface="+mn-cs"/>
-              </a:defRPr>
-            </a:lvl8pPr>
-            <a:lvl9pPr marL="3886103" indent="-228594" algn="l" defTabSz="914377" rtl="0" eaLnBrk="1" latinLnBrk="0" hangingPunct="1">
-              <a:spcBef>
-                <a:spcPct val="20000"/>
-              </a:spcBef>
-              <a:buFont typeface="Arial" pitchFamily="34" charset="0"/>
-              <a:buChar char="•"/>
-              <a:defRPr sz="2000" kern="1200">
-                <a:solidFill>
-                  <a:schemeClr val="tx1"/>
-                </a:solidFill>
-                <a:latin typeface="+mn-lt"/>
-                <a:ea typeface="+mn-ea"/>
-                <a:cs typeface="+mn-cs"/>
-              </a:defRPr>
-            </a:lvl9pPr>
-          </a:lstStyle>
-          <a:p>
-            <a:endParaRPr lang="en-US" altLang="en-US" dirty="0"/>
-          </a:p>
-        </p:txBody>
-      </p:sp>
-      <p:sp>
-        <p:nvSpPr>
           <p:cNvPr id="4" name="Rectangle 3"/>
           <p:cNvSpPr txBox="1">
             <a:spLocks/>
@@ -8066,10 +7904,9 @@
           </a:lstStyle>
           <a:p>
             <a:r>
-              <a:rPr lang="en-US" altLang="en-US" sz="2100" smtClean="0"/>
+              <a:rPr lang="en-US" altLang="en-US" sz="2100" dirty="0" smtClean="0"/>
               <a:t>When one function calls another, the two functions can be stored in the same  code file with the same name as the main function</a:t>
             </a:r>
-            <a:endParaRPr lang="en-US" altLang="en-US" sz="2100" dirty="0" smtClean="0"/>
           </a:p>
         </p:txBody>
       </p:sp>
@@ -8271,14 +8108,14 @@
           <a:effectLst/>
           <a:extLst>
             <a:ext uri="{909E8E84-426E-40dd-AFC4-6F175D3DCCD1}">
-              <a14:hiddenFill xmlns:a14="http://schemas.microsoft.com/office/drawing/2010/main" xmlns="">
+              <a14:hiddenFill xmlns="" xmlns:a14="http://schemas.microsoft.com/office/drawing/2010/main">
                 <a:solidFill>
                   <a:schemeClr val="accent1"/>
                 </a:solidFill>
               </a14:hiddenFill>
             </a:ext>
             <a:ext uri="{AF507438-7753-43e0-B8FC-AC1667EBCBE1}">
-              <a14:hiddenEffects xmlns:a14="http://schemas.microsoft.com/office/drawing/2010/main" xmlns="">
+              <a14:hiddenEffects xmlns="" xmlns:a14="http://schemas.microsoft.com/office/drawing/2010/main">
                 <a:effectLst>
                   <a:outerShdw blurRad="63500" dist="38099" dir="2700000" algn="ctr" rotWithShape="0">
                     <a:schemeClr val="bg2">
@@ -8308,61 +8145,24 @@
                 <a:ea typeface="ＭＳ Ｐゴシック" charset="0"/>
                 <a:cs typeface="Arial" charset="0"/>
               </a:rPr>
-              <a:t>main function </a:t>
-            </a:r>
+              <a:t>main function header</a:t>
+            </a:r>
+          </a:p>
+          <a:p>
+            <a:pPr>
+              <a:spcBef>
+                <a:spcPct val="50000"/>
+              </a:spcBef>
+              <a:defRPr/>
+            </a:pPr>
             <a:r>
               <a:rPr lang="en-US" sz="1600" dirty="0">
                 <a:latin typeface="Arial" charset="0"/>
                 <a:ea typeface="ＭＳ Ｐゴシック" charset="0"/>
                 <a:cs typeface="Arial" charset="0"/>
               </a:rPr>
-              <a:t>header</a:t>
-            </a:r>
-          </a:p>
-          <a:p>
-            <a:pPr>
-              <a:spcBef>
-                <a:spcPct val="50000"/>
-              </a:spcBef>
-              <a:defRPr/>
-            </a:pPr>
-            <a:r>
-              <a:rPr lang="en-US" sz="1600" dirty="0">
-                <a:latin typeface="Arial" charset="0"/>
-                <a:ea typeface="ＭＳ Ｐゴシック" charset="0"/>
-                <a:cs typeface="Arial" charset="0"/>
-              </a:rPr>
-              <a:t>    </a:t>
-            </a:r>
-            <a:r>
-              <a:rPr lang="en-US" sz="1600" dirty="0">
-                <a:latin typeface="Arial" charset="0"/>
-                <a:ea typeface="ＭＳ Ｐゴシック" charset="0"/>
-                <a:cs typeface="Arial" charset="0"/>
-              </a:rPr>
-              <a:t>main function </a:t>
-            </a:r>
-            <a:r>
-              <a:rPr lang="en-US" sz="1600" dirty="0">
-                <a:latin typeface="Arial" charset="0"/>
-                <a:ea typeface="ＭＳ Ｐゴシック" charset="0"/>
-                <a:cs typeface="Arial" charset="0"/>
-              </a:rPr>
-              <a:t>body includes call to </a:t>
-            </a:r>
-            <a:r>
-              <a:rPr lang="en-US" sz="1600" dirty="0">
-                <a:latin typeface="Arial" charset="0"/>
-                <a:ea typeface="ＭＳ Ｐゴシック" charset="0"/>
-                <a:cs typeface="Arial" charset="0"/>
-              </a:rPr>
-              <a:t>local function</a:t>
-            </a:r>
-            <a:endParaRPr lang="en-US" sz="1600" dirty="0">
-              <a:latin typeface="Arial" charset="0"/>
-              <a:ea typeface="ＭＳ Ｐゴシック" charset="0"/>
-              <a:cs typeface="Arial" charset="0"/>
-            </a:endParaRPr>
+              <a:t>    main function body includes call to local function</a:t>
+            </a:r>
           </a:p>
           <a:p>
             <a:pPr>
@@ -8393,47 +8193,23 @@
                 <a:ea typeface="ＭＳ Ｐゴシック" charset="0"/>
                 <a:cs typeface="Arial" charset="0"/>
               </a:rPr>
-              <a:t>local function </a:t>
-            </a:r>
+              <a:t>local function header</a:t>
+            </a:r>
+          </a:p>
+          <a:p>
+            <a:pPr>
+              <a:spcBef>
+                <a:spcPct val="50000"/>
+              </a:spcBef>
+              <a:defRPr/>
+            </a:pPr>
             <a:r>
               <a:rPr lang="en-US" sz="1600" dirty="0">
                 <a:latin typeface="Arial" charset="0"/>
                 <a:ea typeface="ＭＳ Ｐゴシック" charset="0"/>
                 <a:cs typeface="Arial" charset="0"/>
               </a:rPr>
-              <a:t>header</a:t>
-            </a:r>
-          </a:p>
-          <a:p>
-            <a:pPr>
-              <a:spcBef>
-                <a:spcPct val="50000"/>
-              </a:spcBef>
-              <a:defRPr/>
-            </a:pPr>
-            <a:r>
-              <a:rPr lang="en-US" sz="1600" dirty="0">
-                <a:latin typeface="Arial" charset="0"/>
-                <a:ea typeface="ＭＳ Ｐゴシック" charset="0"/>
-                <a:cs typeface="Arial" charset="0"/>
-              </a:rPr>
-              <a:t>     </a:t>
-            </a:r>
-            <a:r>
-              <a:rPr lang="en-US" sz="1600" dirty="0">
-                <a:latin typeface="Arial" charset="0"/>
-                <a:ea typeface="ＭＳ Ｐゴシック" charset="0"/>
-                <a:cs typeface="Arial" charset="0"/>
-              </a:rPr>
-              <a:t>local function </a:t>
-            </a:r>
-            <a:r>
-              <a:rPr lang="en-US" sz="1600" dirty="0">
-                <a:latin typeface="Arial" charset="0"/>
-                <a:ea typeface="ＭＳ Ｐゴシック" charset="0"/>
-                <a:cs typeface="Arial" charset="0"/>
-              </a:rPr>
-              <a:t>body</a:t>
+              <a:t>     local function body</a:t>
             </a:r>
           </a:p>
           <a:p>
@@ -8477,14 +8253,14 @@
           <a:effectLst/>
           <a:extLst>
             <a:ext uri="{909E8E84-426E-40dd-AFC4-6F175D3DCCD1}">
-              <a14:hiddenFill xmlns:a14="http://schemas.microsoft.com/office/drawing/2010/main" xmlns="">
+              <a14:hiddenFill xmlns="" xmlns:a14="http://schemas.microsoft.com/office/drawing/2010/main">
                 <a:solidFill>
                   <a:schemeClr val="accent1"/>
                 </a:solidFill>
               </a14:hiddenFill>
             </a:ext>
             <a:ext uri="{91240B29-F687-4f45-9708-019B960494DF}">
-              <a14:hiddenLine xmlns:a14="http://schemas.microsoft.com/office/drawing/2010/main" xmlns="" w="9525">
+              <a14:hiddenLine xmlns="" xmlns:a14="http://schemas.microsoft.com/office/drawing/2010/main" w="9525">
                 <a:solidFill>
                   <a:schemeClr val="tx1"/>
                 </a:solidFill>
@@ -8494,7 +8270,7 @@
               </a14:hiddenLine>
             </a:ext>
             <a:ext uri="{AF507438-7753-43e0-B8FC-AC1667EBCBE1}">
-              <a14:hiddenEffects xmlns:a14="http://schemas.microsoft.com/office/drawing/2010/main" xmlns="">
+              <a14:hiddenEffects xmlns="" xmlns:a14="http://schemas.microsoft.com/office/drawing/2010/main">
                 <a:effectLst>
                   <a:outerShdw blurRad="63500" dist="38099" dir="2700000" algn="ctr" rotWithShape="0">
                     <a:schemeClr val="bg2">
@@ -8526,11 +8302,6 @@
               </a:rPr>
               <a:t>main.m</a:t>
             </a:r>
-            <a:endParaRPr lang="en-US" sz="1400" dirty="0">
-              <a:latin typeface="Arial" charset="0"/>
-              <a:ea typeface="ＭＳ Ｐゴシック" charset="0"/>
-              <a:cs typeface="Arial" charset="0"/>
-            </a:endParaRPr>
           </a:p>
         </p:txBody>
       </p:sp>
@@ -9398,71 +9169,71 @@
           </a:lstStyle>
           <a:p>
             <a:r>
-              <a:rPr lang="en-US" altLang="en-US" dirty="0"/>
+              <a:rPr lang="en-US" altLang="en-US" sz="2500" dirty="0"/>
               <a:t>The </a:t>
             </a:r>
             <a:r>
-              <a:rPr lang="en-US" altLang="en-US" b="1" i="1" dirty="0"/>
+              <a:rPr lang="en-US" altLang="en-US" sz="2500" b="1" i="1" dirty="0"/>
               <a:t>scope</a:t>
             </a:r>
             <a:r>
-              <a:rPr lang="en-US" altLang="en-US" dirty="0"/>
+              <a:rPr lang="en-US" altLang="en-US" sz="2500" dirty="0"/>
               <a:t> of any variable is the workspace in which it is valid.  </a:t>
             </a:r>
           </a:p>
           <a:p>
             <a:r>
-              <a:rPr lang="en-US" altLang="en-US" dirty="0"/>
+              <a:rPr lang="en-US" altLang="en-US" sz="2500" dirty="0"/>
               <a:t>The workspace created in the Command Window is called the </a:t>
             </a:r>
             <a:r>
-              <a:rPr lang="en-US" altLang="en-US" b="1" i="1" dirty="0"/>
+              <a:rPr lang="en-US" altLang="en-US" sz="2500" b="1" i="1" dirty="0"/>
               <a:t>base</a:t>
             </a:r>
             <a:r>
-              <a:rPr lang="en-US" altLang="en-US" b="1" dirty="0"/>
+              <a:rPr lang="en-US" altLang="en-US" sz="2500" b="1" dirty="0"/>
               <a:t> </a:t>
             </a:r>
             <a:r>
-              <a:rPr lang="en-US" altLang="en-US" b="1" i="1" dirty="0"/>
+              <a:rPr lang="en-US" altLang="en-US" sz="2500" b="1" i="1" dirty="0"/>
               <a:t>workspace</a:t>
             </a:r>
             <a:r>
-              <a:rPr lang="en-US" altLang="en-US" dirty="0"/>
+              <a:rPr lang="en-US" altLang="en-US" sz="2500" dirty="0"/>
               <a:t>.</a:t>
             </a:r>
           </a:p>
           <a:p>
             <a:r>
-              <a:rPr lang="en-US" altLang="en-US" dirty="0"/>
+              <a:rPr lang="en-US" altLang="en-US" sz="2500" dirty="0"/>
               <a:t>Scripts also create variables in the base workspace</a:t>
             </a:r>
           </a:p>
           <a:p>
             <a:pPr lvl="1"/>
             <a:r>
-              <a:rPr lang="en-US" altLang="en-US" dirty="0"/>
+              <a:rPr lang="en-US" altLang="en-US" sz="2500" dirty="0"/>
               <a:t>That means that variables created in the Command Window can be used in scripts and vice versa</a:t>
             </a:r>
           </a:p>
           <a:p>
             <a:pPr lvl="1"/>
             <a:r>
-              <a:rPr lang="en-US" altLang="en-US" dirty="0"/>
+              <a:rPr lang="en-US" altLang="en-US" sz="2500" dirty="0"/>
               <a:t>However, that is very poor programming style</a:t>
             </a:r>
           </a:p>
           <a:p>
             <a:r>
-              <a:rPr lang="en-US" altLang="en-US" dirty="0"/>
+              <a:rPr lang="en-US" altLang="en-US" sz="2500" dirty="0"/>
               <a:t>Variables defined in functions, however, are </a:t>
             </a:r>
             <a:r>
-              <a:rPr lang="en-US" altLang="en-US" b="1" i="1" dirty="0"/>
+              <a:rPr lang="en-US" altLang="en-US" sz="2500" b="1" i="1" dirty="0"/>
               <a:t>local</a:t>
             </a:r>
             <a:r>
-              <a:rPr lang="en-US" altLang="en-US" dirty="0"/>
+              <a:rPr lang="en-US" altLang="en-US" sz="2500" dirty="0"/>
               <a:t> to the function – functions use their own workspaces</a:t>
             </a:r>
           </a:p>
@@ -9937,59 +9708,59 @@
           </a:lstStyle>
           <a:p>
             <a:r>
-              <a:rPr lang="en-US" altLang="en-US" sz="2800" dirty="0"/>
+              <a:rPr lang="en-US" altLang="en-US" sz="2500" dirty="0"/>
               <a:t>Categories of functions:</a:t>
             </a:r>
           </a:p>
           <a:p>
             <a:pPr lvl="1"/>
             <a:r>
-              <a:rPr lang="en-US" altLang="en-US" sz="2400" dirty="0"/>
+              <a:rPr lang="en-US" altLang="en-US" sz="2500" dirty="0"/>
               <a:t>functions that calculate and return one value</a:t>
             </a:r>
           </a:p>
           <a:p>
             <a:pPr lvl="1"/>
             <a:r>
-              <a:rPr lang="en-US" altLang="en-US" sz="2400" dirty="0"/>
+              <a:rPr lang="en-US" altLang="en-US" sz="2500" dirty="0"/>
               <a:t>functions that calculate and return more than one value</a:t>
             </a:r>
           </a:p>
           <a:p>
             <a:pPr lvl="1"/>
             <a:r>
-              <a:rPr lang="en-US" altLang="en-US" sz="2400" dirty="0"/>
+              <a:rPr lang="en-US" altLang="en-US" sz="2500" dirty="0"/>
               <a:t>functions that just accomplish a task, such as printing, without returning any values</a:t>
             </a:r>
           </a:p>
           <a:p>
             <a:r>
-              <a:rPr lang="en-US" altLang="en-US" sz="2800" dirty="0"/>
+              <a:rPr lang="en-US" altLang="en-US" sz="2500" dirty="0"/>
               <a:t>They are different in:</a:t>
             </a:r>
           </a:p>
           <a:p>
             <a:pPr lvl="1"/>
             <a:r>
-              <a:rPr lang="en-US" altLang="en-US" sz="2400" dirty="0"/>
+              <a:rPr lang="en-US" altLang="en-US" sz="2500" dirty="0"/>
               <a:t>the way they are called</a:t>
             </a:r>
           </a:p>
           <a:p>
             <a:pPr lvl="1"/>
             <a:r>
-              <a:rPr lang="en-US" altLang="en-US" sz="2400" dirty="0"/>
+              <a:rPr lang="en-US" altLang="en-US" sz="2500" dirty="0"/>
               <a:t>what the function header looks like</a:t>
             </a:r>
           </a:p>
           <a:p>
             <a:r>
-              <a:rPr lang="en-US" altLang="en-US" sz="2800" dirty="0"/>
+              <a:rPr lang="en-US" altLang="en-US" sz="2500" dirty="0"/>
               <a:t>All are stored in code files with the extension .m</a:t>
             </a:r>
           </a:p>
           <a:p>
-            <a:endParaRPr lang="en-US" altLang="en-US" sz="2800" dirty="0"/>
+            <a:endParaRPr lang="en-US" altLang="en-US" sz="2500" dirty="0"/>
           </a:p>
         </p:txBody>
       </p:sp>
@@ -11224,7 +10995,6 @@
               <a:rPr lang="en-US" altLang="en-US" sz="1500" smtClean="0"/>
               <a:t>plots(n, .05, 10000)</a:t>
             </a:r>
-            <a:endParaRPr lang="en-US" altLang="en-US" sz="1500" smtClean="0"/>
           </a:p>
         </p:txBody>
       </p:sp>
@@ -11256,14 +11026,14 @@
           <a:effectLst/>
           <a:extLst>
             <a:ext uri="{909E8E84-426E-40dd-AFC4-6F175D3DCCD1}">
-              <a14:hiddenFill xmlns:a14="http://schemas.microsoft.com/office/drawing/2010/main" xmlns="">
+              <a14:hiddenFill xmlns="" xmlns:a14="http://schemas.microsoft.com/office/drawing/2010/main">
                 <a:solidFill>
                   <a:schemeClr val="accent1"/>
                 </a:solidFill>
               </a14:hiddenFill>
             </a:ext>
             <a:ext uri="{AF507438-7753-43e0-B8FC-AC1667EBCBE1}">
-              <a14:hiddenEffects xmlns:a14="http://schemas.microsoft.com/office/drawing/2010/main" xmlns="">
+              <a14:hiddenEffects xmlns="" xmlns:a14="http://schemas.microsoft.com/office/drawing/2010/main">
                 <a:effectLst>
                   <a:outerShdw blurRad="63500" dist="38099" dir="2700000" algn="ctr" rotWithShape="0">
                     <a:schemeClr val="bg2">
@@ -11349,14 +11119,14 @@
           <a:effectLst/>
           <a:extLst>
             <a:ext uri="{909E8E84-426E-40dd-AFC4-6F175D3DCCD1}">
-              <a14:hiddenFill xmlns:a14="http://schemas.microsoft.com/office/drawing/2010/main" xmlns="">
+              <a14:hiddenFill xmlns="" xmlns:a14="http://schemas.microsoft.com/office/drawing/2010/main">
                 <a:solidFill>
                   <a:schemeClr val="accent1"/>
                 </a:solidFill>
               </a14:hiddenFill>
             </a:ext>
             <a:ext uri="{AF507438-7753-43e0-B8FC-AC1667EBCBE1}">
-              <a14:hiddenEffects xmlns:a14="http://schemas.microsoft.com/office/drawing/2010/main" xmlns="">
+              <a14:hiddenEffects xmlns="" xmlns:a14="http://schemas.microsoft.com/office/drawing/2010/main">
                 <a:effectLst>
                   <a:outerShdw blurRad="63500" dist="38099" dir="2700000" algn="ctr" rotWithShape="0">
                     <a:schemeClr val="bg2">
@@ -12561,67 +12331,79 @@
           </a:lstStyle>
           <a:p>
             <a:r>
-              <a:rPr lang="en-US" altLang="en-US" dirty="0"/>
+              <a:rPr lang="en-US" altLang="en-US" sz="2500" dirty="0"/>
               <a:t>All function definitions consist of:</a:t>
             </a:r>
           </a:p>
           <a:p>
             <a:pPr lvl="1"/>
             <a:r>
-              <a:rPr lang="en-US" altLang="en-US" dirty="0"/>
+              <a:rPr lang="en-US" altLang="en-US" sz="2500" dirty="0"/>
               <a:t>The function header</a:t>
             </a:r>
           </a:p>
           <a:p>
             <a:pPr lvl="2"/>
             <a:r>
-              <a:rPr lang="en-US" altLang="en-US" dirty="0"/>
+              <a:rPr lang="en-US" altLang="en-US" sz="2500" dirty="0"/>
               <a:t>The reserved word </a:t>
             </a:r>
             <a:r>
-              <a:rPr lang="en-US" altLang="en-US" b="1" dirty="0"/>
+              <a:rPr lang="en-US" altLang="en-US" sz="2500" b="1" dirty="0"/>
               <a:t>function</a:t>
             </a:r>
           </a:p>
           <a:p>
             <a:pPr lvl="2"/>
             <a:r>
-              <a:rPr lang="en-US" altLang="en-US" dirty="0"/>
-              <a:t>Output arguments and the assignment operator (only if the function returns value(s)</a:t>
+              <a:rPr lang="en-US" altLang="en-US" sz="2500" u="sng" dirty="0">
+                <a:solidFill>
+                  <a:srgbClr val="FF0000"/>
+                </a:solidFill>
+              </a:rPr>
+              <a:t>Output arguments </a:t>
+            </a:r>
+            <a:r>
+              <a:rPr lang="en-US" altLang="en-US" sz="2500" dirty="0"/>
+              <a:t>and the assignment operator (only if the function returns value(s)</a:t>
             </a:r>
           </a:p>
           <a:p>
             <a:pPr lvl="2"/>
             <a:r>
-              <a:rPr lang="en-US" altLang="en-US" dirty="0"/>
+              <a:rPr lang="en-US" altLang="en-US" sz="2500" dirty="0"/>
               <a:t>Function name </a:t>
             </a:r>
           </a:p>
           <a:p>
             <a:pPr lvl="2"/>
             <a:r>
-              <a:rPr lang="en-US" altLang="en-US" dirty="0"/>
+              <a:rPr lang="en-US" altLang="en-US" sz="2500" u="sng" dirty="0">
+                <a:solidFill>
+                  <a:srgbClr val="FF0000"/>
+                </a:solidFill>
+              </a:rPr>
               <a:t>Input arguments</a:t>
             </a:r>
           </a:p>
           <a:p>
             <a:pPr lvl="1"/>
             <a:r>
-              <a:rPr lang="en-US" altLang="en-US" dirty="0"/>
+              <a:rPr lang="en-US" altLang="en-US" sz="2500" dirty="0"/>
               <a:t>A block comment describing the function</a:t>
             </a:r>
           </a:p>
           <a:p>
             <a:pPr lvl="1"/>
             <a:r>
-              <a:rPr lang="en-US" altLang="en-US" dirty="0"/>
+              <a:rPr lang="en-US" altLang="en-US" sz="2500" dirty="0"/>
               <a:t>The body of the function which includes all statements, including putting values in all output arguments, if there are any</a:t>
             </a:r>
           </a:p>
           <a:p>
             <a:pPr lvl="1"/>
             <a:r>
-              <a:rPr lang="en-US" altLang="en-US" b="1" dirty="0"/>
+              <a:rPr lang="en-US" altLang="en-US" sz="2500" b="1" dirty="0"/>
               <a:t>end</a:t>
             </a:r>
           </a:p>
@@ -12850,7 +12632,7 @@
               </a:lnSpc>
             </a:pPr>
             <a:r>
-              <a:rPr lang="en-US" altLang="en-US" sz="2800" dirty="0"/>
+              <a:rPr lang="en-US" altLang="en-US" sz="2500" dirty="0"/>
               <a:t>General form of a function that returns more than one value; it has multiple output arguments in the header</a:t>
             </a:r>
           </a:p>
@@ -12861,7 +12643,7 @@
               </a:lnSpc>
             </a:pPr>
             <a:r>
-              <a:rPr lang="en-US" altLang="en-US" sz="2800" dirty="0"/>
+              <a:rPr lang="en-US" altLang="en-US" sz="2500" dirty="0"/>
               <a:t>The output arguments are separated by commas</a:t>
             </a:r>
           </a:p>
@@ -12895,14 +12677,14 @@
           <a:effectLst/>
           <a:extLst>
             <a:ext uri="{909E8E84-426E-40dd-AFC4-6F175D3DCCD1}">
-              <a14:hiddenFill xmlns:a14="http://schemas.microsoft.com/office/drawing/2010/main" xmlns="">
+              <a14:hiddenFill xmlns="" xmlns:a14="http://schemas.microsoft.com/office/drawing/2010/main">
                 <a:solidFill>
                   <a:schemeClr val="accent1"/>
                 </a:solidFill>
               </a14:hiddenFill>
             </a:ext>
             <a:ext uri="{AF507438-7753-43e0-B8FC-AC1667EBCBE1}">
-              <a14:hiddenEffects xmlns:a14="http://schemas.microsoft.com/office/drawing/2010/main" xmlns="">
+              <a14:hiddenEffects xmlns="" xmlns:a14="http://schemas.microsoft.com/office/drawing/2010/main">
                 <a:effectLst>
                   <a:outerShdw blurRad="63500" dist="38099" dir="2700000" algn="ctr" rotWithShape="0">
                     <a:schemeClr val="bg2">
@@ -13009,14 +12791,14 @@
           <a:effectLst/>
           <a:extLst>
             <a:ext uri="{909E8E84-426E-40dd-AFC4-6F175D3DCCD1}">
-              <a14:hiddenFill xmlns:a14="http://schemas.microsoft.com/office/drawing/2010/main" xmlns="">
+              <a14:hiddenFill xmlns="" xmlns:a14="http://schemas.microsoft.com/office/drawing/2010/main">
                 <a:solidFill>
                   <a:schemeClr val="accent1"/>
                 </a:solidFill>
               </a14:hiddenFill>
             </a:ext>
             <a:ext uri="{91240B29-F687-4f45-9708-019B960494DF}">
-              <a14:hiddenLine xmlns:a14="http://schemas.microsoft.com/office/drawing/2010/main" xmlns="" w="9525">
+              <a14:hiddenLine xmlns="" xmlns:a14="http://schemas.microsoft.com/office/drawing/2010/main" w="9525">
                 <a:solidFill>
                   <a:schemeClr val="tx1"/>
                 </a:solidFill>
@@ -13026,7 +12808,7 @@
               </a14:hiddenLine>
             </a:ext>
             <a:ext uri="{AF507438-7753-43e0-B8FC-AC1667EBCBE1}">
-              <a14:hiddenEffects xmlns:a14="http://schemas.microsoft.com/office/drawing/2010/main" xmlns="">
+              <a14:hiddenEffects xmlns="" xmlns:a14="http://schemas.microsoft.com/office/drawing/2010/main">
                 <a:effectLst>
                   <a:outerShdw blurRad="63500" dist="38099" dir="2700000" algn="ctr" rotWithShape="0">
                     <a:schemeClr val="bg2">
@@ -14171,7 +13953,6 @@
               <a:rPr lang="en-US" altLang="en-US" sz="2200" smtClean="0"/>
               <a:t>end</a:t>
             </a:r>
-            <a:endParaRPr lang="en-US" altLang="en-US" sz="2200" smtClean="0"/>
           </a:p>
         </p:txBody>
       </p:sp>
@@ -14198,14 +13979,14 @@
           <a:effectLst/>
           <a:extLst>
             <a:ext uri="{909E8E84-426E-40dd-AFC4-6F175D3DCCD1}">
-              <a14:hiddenFill xmlns:a14="http://schemas.microsoft.com/office/drawing/2010/main" xmlns="">
+              <a14:hiddenFill xmlns="" xmlns:a14="http://schemas.microsoft.com/office/drawing/2010/main">
                 <a:solidFill>
                   <a:schemeClr val="accent1"/>
                 </a:solidFill>
               </a14:hiddenFill>
             </a:ext>
             <a:ext uri="{91240B29-F687-4f45-9708-019B960494DF}">
-              <a14:hiddenLine xmlns:a14="http://schemas.microsoft.com/office/drawing/2010/main" xmlns="" w="9525">
+              <a14:hiddenLine xmlns="" xmlns:a14="http://schemas.microsoft.com/office/drawing/2010/main" w="9525">
                 <a:solidFill>
                   <a:schemeClr val="tx1"/>
                 </a:solidFill>
@@ -14215,7 +13996,7 @@
               </a14:hiddenLine>
             </a:ext>
             <a:ext uri="{AF507438-7753-43e0-B8FC-AC1667EBCBE1}">
-              <a14:hiddenEffects xmlns:a14="http://schemas.microsoft.com/office/drawing/2010/main" xmlns="">
+              <a14:hiddenEffects xmlns="" xmlns:a14="http://schemas.microsoft.com/office/drawing/2010/main">
                 <a:effectLst>
                   <a:outerShdw blurRad="63500" dist="38099" dir="2700000" algn="ctr" rotWithShape="0">
                     <a:schemeClr val="bg2">
@@ -14273,14 +14054,14 @@
           <a:effectLst/>
           <a:extLst>
             <a:ext uri="{909E8E84-426E-40dd-AFC4-6F175D3DCCD1}">
-              <a14:hiddenFill xmlns:a14="http://schemas.microsoft.com/office/drawing/2010/main" xmlns="">
+              <a14:hiddenFill xmlns="" xmlns:a14="http://schemas.microsoft.com/office/drawing/2010/main">
                 <a:solidFill>
                   <a:schemeClr val="accent1"/>
                 </a:solidFill>
               </a14:hiddenFill>
             </a:ext>
             <a:ext uri="{91240B29-F687-4f45-9708-019B960494DF}">
-              <a14:hiddenLine xmlns:a14="http://schemas.microsoft.com/office/drawing/2010/main" xmlns="" w="9525">
+              <a14:hiddenLine xmlns="" xmlns:a14="http://schemas.microsoft.com/office/drawing/2010/main" w="9525">
                 <a:solidFill>
                   <a:schemeClr val="tx1"/>
                 </a:solidFill>
@@ -14290,7 +14071,7 @@
               </a14:hiddenLine>
             </a:ext>
             <a:ext uri="{AF507438-7753-43e0-B8FC-AC1667EBCBE1}">
-              <a14:hiddenEffects xmlns:a14="http://schemas.microsoft.com/office/drawing/2010/main" xmlns="">
+              <a14:hiddenEffects xmlns="" xmlns:a14="http://schemas.microsoft.com/office/drawing/2010/main">
                 <a:effectLst>
                   <a:outerShdw blurRad="63500" dist="38099" dir="2700000" algn="ctr" rotWithShape="0">
                     <a:schemeClr val="bg2">
@@ -14796,7 +14577,6 @@
               <a:rPr lang="en-US" altLang="en-US" sz="2200" smtClean="0"/>
               <a:t>end</a:t>
             </a:r>
-            <a:endParaRPr lang="en-US" altLang="en-US" sz="2200" smtClean="0"/>
           </a:p>
         </p:txBody>
       </p:sp>
@@ -14823,14 +14603,14 @@
           <a:effectLst/>
           <a:extLst>
             <a:ext uri="{909E8E84-426E-40dd-AFC4-6F175D3DCCD1}">
-              <a14:hiddenFill xmlns:a14="http://schemas.microsoft.com/office/drawing/2010/main" xmlns="">
+              <a14:hiddenFill xmlns="" xmlns:a14="http://schemas.microsoft.com/office/drawing/2010/main">
                 <a:solidFill>
                   <a:schemeClr val="accent1"/>
                 </a:solidFill>
               </a14:hiddenFill>
             </a:ext>
             <a:ext uri="{91240B29-F687-4f45-9708-019B960494DF}">
-              <a14:hiddenLine xmlns:a14="http://schemas.microsoft.com/office/drawing/2010/main" xmlns="" w="9525">
+              <a14:hiddenLine xmlns="" xmlns:a14="http://schemas.microsoft.com/office/drawing/2010/main" w="9525">
                 <a:solidFill>
                   <a:schemeClr val="tx1"/>
                 </a:solidFill>
@@ -14840,7 +14620,7 @@
               </a14:hiddenLine>
             </a:ext>
             <a:ext uri="{AF507438-7753-43e0-B8FC-AC1667EBCBE1}">
-              <a14:hiddenEffects xmlns:a14="http://schemas.microsoft.com/office/drawing/2010/main" xmlns="">
+              <a14:hiddenEffects xmlns="" xmlns:a14="http://schemas.microsoft.com/office/drawing/2010/main">
                 <a:effectLst>
                   <a:outerShdw blurRad="63500" dist="38099" dir="2700000" algn="ctr" rotWithShape="0">
                     <a:schemeClr val="bg2">
@@ -14898,14 +14678,14 @@
           <a:effectLst/>
           <a:extLst>
             <a:ext uri="{909E8E84-426E-40dd-AFC4-6F175D3DCCD1}">
-              <a14:hiddenFill xmlns:a14="http://schemas.microsoft.com/office/drawing/2010/main" xmlns="">
+              <a14:hiddenFill xmlns="" xmlns:a14="http://schemas.microsoft.com/office/drawing/2010/main">
                 <a:solidFill>
                   <a:schemeClr val="accent1"/>
                 </a:solidFill>
               </a14:hiddenFill>
             </a:ext>
             <a:ext uri="{91240B29-F687-4f45-9708-019B960494DF}">
-              <a14:hiddenLine xmlns:a14="http://schemas.microsoft.com/office/drawing/2010/main" xmlns="" w="9525">
+              <a14:hiddenLine xmlns="" xmlns:a14="http://schemas.microsoft.com/office/drawing/2010/main" w="9525">
                 <a:solidFill>
                   <a:schemeClr val="tx1"/>
                 </a:solidFill>
@@ -14915,7 +14695,7 @@
               </a14:hiddenLine>
             </a:ext>
             <a:ext uri="{AF507438-7753-43e0-B8FC-AC1667EBCBE1}">
-              <a14:hiddenEffects xmlns:a14="http://schemas.microsoft.com/office/drawing/2010/main" xmlns="">
+              <a14:hiddenEffects xmlns="" xmlns:a14="http://schemas.microsoft.com/office/drawing/2010/main">
                 <a:effectLst>
                   <a:outerShdw blurRad="63500" dist="38099" dir="2700000" algn="ctr" rotWithShape="0">
                     <a:schemeClr val="bg2">
